--- a/docs/diagrams/UndoRedoSequenceDiagram.pptx
+++ b/docs/diagrams/UndoRedoSequenceDiagram.pptx
@@ -208,7 +208,7 @@
           <a:p>
             <a:fld id="{F5CC4B3F-88C1-4FFA-B1B6-F41C21DC6924}" type="datetimeFigureOut">
               <a:rPr lang="en-US" smtClean="0"/>
-              <a:t>2/26/2019</a:t>
+              <a:t>4/15/19</a:t>
             </a:fld>
             <a:endParaRPr lang="en-US"/>
           </a:p>
@@ -654,7 +654,7 @@
           <a:p>
             <a:fld id="{78C97017-6FC3-485B-9764-EAC9E56C1D49}" type="datetimeFigureOut">
               <a:rPr lang="en-US" smtClean="0"/>
-              <a:t>2/26/2019</a:t>
+              <a:t>4/15/19</a:t>
             </a:fld>
             <a:endParaRPr lang="en-US"/>
           </a:p>
@@ -822,7 +822,7 @@
           <a:p>
             <a:fld id="{78C97017-6FC3-485B-9764-EAC9E56C1D49}" type="datetimeFigureOut">
               <a:rPr lang="en-US" smtClean="0"/>
-              <a:t>2/26/2019</a:t>
+              <a:t>4/15/19</a:t>
             </a:fld>
             <a:endParaRPr lang="en-US"/>
           </a:p>
@@ -1000,7 +1000,7 @@
           <a:p>
             <a:fld id="{78C97017-6FC3-485B-9764-EAC9E56C1D49}" type="datetimeFigureOut">
               <a:rPr lang="en-US" smtClean="0"/>
-              <a:t>2/26/2019</a:t>
+              <a:t>4/15/19</a:t>
             </a:fld>
             <a:endParaRPr lang="en-US"/>
           </a:p>
@@ -1168,7 +1168,7 @@
           <a:p>
             <a:fld id="{78C97017-6FC3-485B-9764-EAC9E56C1D49}" type="datetimeFigureOut">
               <a:rPr lang="en-US" smtClean="0"/>
-              <a:t>2/26/2019</a:t>
+              <a:t>4/15/19</a:t>
             </a:fld>
             <a:endParaRPr lang="en-US"/>
           </a:p>
@@ -1413,7 +1413,7 @@
           <a:p>
             <a:fld id="{78C97017-6FC3-485B-9764-EAC9E56C1D49}" type="datetimeFigureOut">
               <a:rPr lang="en-US" smtClean="0"/>
-              <a:t>2/26/2019</a:t>
+              <a:t>4/15/19</a:t>
             </a:fld>
             <a:endParaRPr lang="en-US"/>
           </a:p>
@@ -1698,7 +1698,7 @@
           <a:p>
             <a:fld id="{78C97017-6FC3-485B-9764-EAC9E56C1D49}" type="datetimeFigureOut">
               <a:rPr lang="en-US" smtClean="0"/>
-              <a:t>2/26/2019</a:t>
+              <a:t>4/15/19</a:t>
             </a:fld>
             <a:endParaRPr lang="en-US"/>
           </a:p>
@@ -2117,7 +2117,7 @@
           <a:p>
             <a:fld id="{78C97017-6FC3-485B-9764-EAC9E56C1D49}" type="datetimeFigureOut">
               <a:rPr lang="en-US" smtClean="0"/>
-              <a:t>2/26/2019</a:t>
+              <a:t>4/15/19</a:t>
             </a:fld>
             <a:endParaRPr lang="en-US"/>
           </a:p>
@@ -2234,7 +2234,7 @@
           <a:p>
             <a:fld id="{78C97017-6FC3-485B-9764-EAC9E56C1D49}" type="datetimeFigureOut">
               <a:rPr lang="en-US" smtClean="0"/>
-              <a:t>2/26/2019</a:t>
+              <a:t>4/15/19</a:t>
             </a:fld>
             <a:endParaRPr lang="en-US"/>
           </a:p>
@@ -2329,7 +2329,7 @@
           <a:p>
             <a:fld id="{78C97017-6FC3-485B-9764-EAC9E56C1D49}" type="datetimeFigureOut">
               <a:rPr lang="en-US" smtClean="0"/>
-              <a:t>2/26/2019</a:t>
+              <a:t>4/15/19</a:t>
             </a:fld>
             <a:endParaRPr lang="en-US"/>
           </a:p>
@@ -2604,7 +2604,7 @@
           <a:p>
             <a:fld id="{78C97017-6FC3-485B-9764-EAC9E56C1D49}" type="datetimeFigureOut">
               <a:rPr lang="en-US" smtClean="0"/>
-              <a:t>2/26/2019</a:t>
+              <a:t>4/15/19</a:t>
             </a:fld>
             <a:endParaRPr lang="en-US"/>
           </a:p>
@@ -2856,7 +2856,7 @@
           <a:p>
             <a:fld id="{78C97017-6FC3-485B-9764-EAC9E56C1D49}" type="datetimeFigureOut">
               <a:rPr lang="en-US" smtClean="0"/>
-              <a:t>2/26/2019</a:t>
+              <a:t>4/15/19</a:t>
             </a:fld>
             <a:endParaRPr lang="en-US"/>
           </a:p>
@@ -3067,7 +3067,7 @@
           <a:p>
             <a:fld id="{78C97017-6FC3-485B-9764-EAC9E56C1D49}" type="datetimeFigureOut">
               <a:rPr lang="en-US" smtClean="0"/>
-              <a:t>2/26/2019</a:t>
+              <a:t>4/15/19</a:t>
             </a:fld>
             <a:endParaRPr lang="en-US"/>
           </a:p>
@@ -3786,18 +3786,15 @@
                     <a:schemeClr val="bg1"/>
                   </a:solidFill>
                 </a:rPr>
-                <a:t>:Address</a:t>
+                <a:t>:</a:t>
               </a:r>
-            </a:p>
-            <a:p>
-              <a:pPr algn="ctr"/>
               <a:r>
                 <a:rPr lang="en-US" sz="1600" dirty="0" err="1">
                   <a:solidFill>
                     <a:schemeClr val="bg1"/>
                   </a:solidFill>
                 </a:rPr>
-                <a:t>BookParser</a:t>
+                <a:t>CommandParser</a:t>
               </a:r>
               <a:endParaRPr lang="en-SG" sz="1600" dirty="0">
                 <a:solidFill>
@@ -4339,7 +4336,7 @@
                     <a:srgbClr val="7030A0"/>
                   </a:solidFill>
                 </a:rPr>
-                <a:t>AddressBook</a:t>
+                <a:t>Application</a:t>
               </a:r>
               <a:r>
                 <a:rPr lang="en-US" sz="1200" dirty="0">
@@ -4534,7 +4531,7 @@
                     <a:schemeClr val="bg1"/>
                   </a:solidFill>
                 </a:rPr>
-                <a:t>VersionedAddressBook</a:t>
+                <a:t>VersionedApplication</a:t>
               </a:r>
               <a:endParaRPr lang="en-SG" sz="1600" dirty="0">
                 <a:solidFill>
@@ -5116,7 +5113,7 @@
                     <a:srgbClr val="7030A0"/>
                   </a:solidFill>
                 </a:rPr>
-                <a:t>ReadOnlyAddressBook</a:t>
+                <a:t>ReadOnlyApplication</a:t>
               </a:r>
               <a:r>
                 <a:rPr lang="en-US" sz="1200" dirty="0">
